--- a/Final_year_ppt.pptx
+++ b/Final_year_ppt.pptx
@@ -5,7 +5,7 @@
     <p:sldMasterId id="2147483785" r:id="rId1"/>
   </p:sldMasterIdLst>
   <p:notesMasterIdLst>
-    <p:notesMasterId r:id="rId18"/>
+    <p:notesMasterId r:id="rId17"/>
   </p:notesMasterIdLst>
   <p:sldIdLst>
     <p:sldId id="266" r:id="rId2"/>
@@ -22,8 +22,7 @@
     <p:sldId id="261" r:id="rId13"/>
     <p:sldId id="262" r:id="rId14"/>
     <p:sldId id="263" r:id="rId15"/>
-    <p:sldId id="264" r:id="rId16"/>
-    <p:sldId id="265" r:id="rId17"/>
+    <p:sldId id="265" r:id="rId16"/>
   </p:sldIdLst>
   <p:sldSz cx="12192000" cy="6858000"/>
   <p:notesSz cx="6858000" cy="9144000"/>
@@ -127,7 +126,7 @@
       <p15:sldGuideLst xmlns:p15="http://schemas.microsoft.com/office/powerpoint/2012/main"/>
     </p:ext>
     <p:ext uri="GoogleSlidesCustomDataVersion2">
-      <go:slidesCustomData xmlns="" xmlns:mc="http://schemas.openxmlformats.org/markup-compatibility/2006" xmlns:mv="urn:schemas-microsoft-com:mac:vml" xmlns:c="http://schemas.openxmlformats.org/drawingml/2006/chart" xmlns:dgm="http://schemas.openxmlformats.org/drawingml/2006/diagram" xmlns:o="urn:schemas-microsoft-com:office:office" xmlns:v="urn:schemas-microsoft-com:vml" xmlns:pvml="urn:schemas-microsoft-com:office:powerpoint" xmlns:com="http://schemas.openxmlformats.org/drawingml/2006/compatibility" xmlns:p14="http://schemas.microsoft.com/office/powerpoint/2010/main" xmlns:p15="http://schemas.microsoft.com/office/powerpoint/2012/main" xmlns:ahyp="http://schemas.microsoft.com/office/drawing/2018/hyperlinkcolor" xmlns:go="http://customooxmlschemas.google.com/" r:id="rId19" roundtripDataSignature="AMtx7mgwCRx+ZvaA/yh0oHUCSnClWEbbVA=="/>
+      <go:slidesCustomData xmlns:go="http://customooxmlschemas.google.com/" xmlns:ahyp="http://schemas.microsoft.com/office/drawing/2018/hyperlinkcolor" xmlns:p15="http://schemas.microsoft.com/office/powerpoint/2012/main" xmlns:p14="http://schemas.microsoft.com/office/powerpoint/2010/main" xmlns:com="http://schemas.openxmlformats.org/drawingml/2006/compatibility" xmlns:pvml="urn:schemas-microsoft-com:office:powerpoint" xmlns:v="urn:schemas-microsoft-com:vml" xmlns:o="urn:schemas-microsoft-com:office:office" xmlns:dgm="http://schemas.openxmlformats.org/drawingml/2006/diagram" xmlns:c="http://schemas.openxmlformats.org/drawingml/2006/chart" xmlns:mv="urn:schemas-microsoft-com:mac:vml" xmlns:mc="http://schemas.openxmlformats.org/markup-compatibility/2006" xmlns="" r:id="rId19" roundtripDataSignature="AMtx7mgwCRx+ZvaA/yh0oHUCSnClWEbbVA=="/>
     </p:ext>
   </p:extLst>
 </p:presentation>
@@ -2224,7 +2223,7 @@
   <p:cSld>
     <p:spTree>
       <p:nvGrpSpPr>
-        <p:cNvPr id="1" name="Shape 157"/>
+        <p:cNvPr id="1" name="Shape 166"/>
         <p:cNvGrpSpPr/>
         <p:nvPr/>
       </p:nvGrpSpPr>
@@ -2238,7 +2237,7 @@
       </p:grpSpPr>
       <p:sp>
         <p:nvSpPr>
-          <p:cNvPr id="158" name="Google Shape;158;p11:notes"/>
+          <p:cNvPr id="167" name="Google Shape;167;p19:notes"/>
           <p:cNvSpPr txBox="1">
             <a:spLocks noGrp="1"/>
           </p:cNvSpPr>
@@ -2284,7 +2283,7 @@
       </p:sp>
       <p:sp>
         <p:nvSpPr>
-          <p:cNvPr id="159" name="Google Shape;159;p11:notes"/>
+          <p:cNvPr id="168" name="Google Shape;168;p19:notes"/>
           <p:cNvSpPr>
             <a:spLocks noGrp="1" noRot="1" noChangeAspect="1"/>
           </p:cNvSpPr>
@@ -2341,12 +2340,18 @@
 </p:notes>
 </file>
 
-<file path=ppt/notesSlides/notesSlide15.xml><?xml version="1.0" encoding="utf-8"?>
+<file path=ppt/notesSlides/notesSlide2.xml><?xml version="1.0" encoding="utf-8"?>
 <p:notes xmlns:a="http://schemas.openxmlformats.org/drawingml/2006/main" xmlns:r="http://schemas.openxmlformats.org/officeDocument/2006/relationships" xmlns:p="http://schemas.openxmlformats.org/presentationml/2006/main" showMasterSp="0" showMasterPhAnim="0">
   <p:cSld>
     <p:spTree>
       <p:nvGrpSpPr>
-        <p:cNvPr id="1" name="Shape 166"/>
+        <p:cNvPr id="1" name="Shape 84">
+          <a:extLst>
+            <a:ext uri="{FF2B5EF4-FFF2-40B4-BE49-F238E27FC236}">
+              <a16:creationId xmlns:a16="http://schemas.microsoft.com/office/drawing/2014/main" id="{536F17EE-27C3-98F4-59D7-9ADC6BEFC80A}"/>
+            </a:ext>
+          </a:extLst>
+        </p:cNvPr>
         <p:cNvGrpSpPr/>
         <p:nvPr/>
       </p:nvGrpSpPr>
@@ -2360,7 +2365,13 @@
       </p:grpSpPr>
       <p:sp>
         <p:nvSpPr>
-          <p:cNvPr id="167" name="Google Shape;167;p19:notes"/>
+          <p:cNvPr id="85" name="Google Shape;85;p2:notes">
+            <a:extLst>
+              <a:ext uri="{FF2B5EF4-FFF2-40B4-BE49-F238E27FC236}">
+                <a16:creationId xmlns:a16="http://schemas.microsoft.com/office/drawing/2014/main" id="{AF39F3B7-905B-18E3-55F4-6317C2AE1D7B}"/>
+              </a:ext>
+            </a:extLst>
+          </p:cNvPr>
           <p:cNvSpPr txBox="1">
             <a:spLocks noGrp="1"/>
           </p:cNvSpPr>
@@ -2406,7 +2417,13 @@
       </p:sp>
       <p:sp>
         <p:nvSpPr>
-          <p:cNvPr id="168" name="Google Shape;168;p19:notes"/>
+          <p:cNvPr id="86" name="Google Shape;86;p2:notes">
+            <a:extLst>
+              <a:ext uri="{FF2B5EF4-FFF2-40B4-BE49-F238E27FC236}">
+                <a16:creationId xmlns:a16="http://schemas.microsoft.com/office/drawing/2014/main" id="{8DB55C04-2290-352D-D084-EA51FF84AD0E}"/>
+              </a:ext>
+            </a:extLst>
+          </p:cNvPr>
           <p:cNvSpPr>
             <a:spLocks noGrp="1" noRot="1" noChangeAspect="1"/>
           </p:cNvSpPr>
@@ -2456,6 +2473,11 @@
         </p:spPr>
       </p:sp>
     </p:spTree>
+    <p:extLst>
+      <p:ext uri="{BB962C8B-B14F-4D97-AF65-F5344CB8AC3E}">
+        <p14:creationId xmlns:p14="http://schemas.microsoft.com/office/powerpoint/2010/main" val="1460962751"/>
+      </p:ext>
+    </p:extLst>
   </p:cSld>
   <p:clrMapOvr>
     <a:masterClrMapping/>
@@ -2463,7 +2485,7 @@
 </p:notes>
 </file>
 
-<file path=ppt/notesSlides/notesSlide2.xml><?xml version="1.0" encoding="utf-8"?>
+<file path=ppt/notesSlides/notesSlide3.xml><?xml version="1.0" encoding="utf-8"?>
 <p:notes xmlns:a="http://schemas.openxmlformats.org/drawingml/2006/main" xmlns:r="http://schemas.openxmlformats.org/officeDocument/2006/relationships" xmlns:p="http://schemas.openxmlformats.org/presentationml/2006/main" showMasterSp="0" showMasterPhAnim="0">
   <p:cSld>
     <p:spTree>
@@ -2471,7 +2493,7 @@
         <p:cNvPr id="1" name="Shape 84">
           <a:extLst>
             <a:ext uri="{FF2B5EF4-FFF2-40B4-BE49-F238E27FC236}">
-              <a16:creationId xmlns:a16="http://schemas.microsoft.com/office/drawing/2014/main" id="{536F17EE-27C3-98F4-59D7-9ADC6BEFC80A}"/>
+              <a16:creationId xmlns:a16="http://schemas.microsoft.com/office/drawing/2014/main" id="{EE0C5DFC-2981-6796-68A1-226D701892FF}"/>
             </a:ext>
           </a:extLst>
         </p:cNvPr>
@@ -2491,7 +2513,7 @@
           <p:cNvPr id="85" name="Google Shape;85;p2:notes">
             <a:extLst>
               <a:ext uri="{FF2B5EF4-FFF2-40B4-BE49-F238E27FC236}">
-                <a16:creationId xmlns:a16="http://schemas.microsoft.com/office/drawing/2014/main" id="{AF39F3B7-905B-18E3-55F4-6317C2AE1D7B}"/>
+                <a16:creationId xmlns:a16="http://schemas.microsoft.com/office/drawing/2014/main" id="{49C4012D-E657-7A55-76D6-6256FAD89344}"/>
               </a:ext>
             </a:extLst>
           </p:cNvPr>
@@ -2543,7 +2565,7 @@
           <p:cNvPr id="86" name="Google Shape;86;p2:notes">
             <a:extLst>
               <a:ext uri="{FF2B5EF4-FFF2-40B4-BE49-F238E27FC236}">
-                <a16:creationId xmlns:a16="http://schemas.microsoft.com/office/drawing/2014/main" id="{8DB55C04-2290-352D-D084-EA51FF84AD0E}"/>
+                <a16:creationId xmlns:a16="http://schemas.microsoft.com/office/drawing/2014/main" id="{4B6FC519-7324-52BA-DEF0-964535CB6173}"/>
               </a:ext>
             </a:extLst>
           </p:cNvPr>
@@ -2598,7 +2620,7 @@
     </p:spTree>
     <p:extLst>
       <p:ext uri="{BB962C8B-B14F-4D97-AF65-F5344CB8AC3E}">
-        <p14:creationId xmlns:p14="http://schemas.microsoft.com/office/powerpoint/2010/main" val="1460962751"/>
+        <p14:creationId xmlns:p14="http://schemas.microsoft.com/office/powerpoint/2010/main" val="3021614631"/>
       </p:ext>
     </p:extLst>
   </p:cSld>
@@ -2608,7 +2630,7 @@
 </p:notes>
 </file>
 
-<file path=ppt/notesSlides/notesSlide3.xml><?xml version="1.0" encoding="utf-8"?>
+<file path=ppt/notesSlides/notesSlide4.xml><?xml version="1.0" encoding="utf-8"?>
 <p:notes xmlns:a="http://schemas.openxmlformats.org/drawingml/2006/main" xmlns:r="http://schemas.openxmlformats.org/officeDocument/2006/relationships" xmlns:p="http://schemas.openxmlformats.org/presentationml/2006/main" showMasterSp="0" showMasterPhAnim="0">
   <p:cSld>
     <p:spTree>
@@ -2616,7 +2638,7 @@
         <p:cNvPr id="1" name="Shape 84">
           <a:extLst>
             <a:ext uri="{FF2B5EF4-FFF2-40B4-BE49-F238E27FC236}">
-              <a16:creationId xmlns:a16="http://schemas.microsoft.com/office/drawing/2014/main" id="{EE0C5DFC-2981-6796-68A1-226D701892FF}"/>
+              <a16:creationId xmlns:a16="http://schemas.microsoft.com/office/drawing/2014/main" id="{F733853A-62BC-D271-9C6F-1D42E57A6414}"/>
             </a:ext>
           </a:extLst>
         </p:cNvPr>
@@ -2636,7 +2658,7 @@
           <p:cNvPr id="85" name="Google Shape;85;p2:notes">
             <a:extLst>
               <a:ext uri="{FF2B5EF4-FFF2-40B4-BE49-F238E27FC236}">
-                <a16:creationId xmlns:a16="http://schemas.microsoft.com/office/drawing/2014/main" id="{49C4012D-E657-7A55-76D6-6256FAD89344}"/>
+                <a16:creationId xmlns:a16="http://schemas.microsoft.com/office/drawing/2014/main" id="{7683CEE9-8972-2021-22B2-ECEFF195BAA1}"/>
               </a:ext>
             </a:extLst>
           </p:cNvPr>
@@ -2688,7 +2710,7 @@
           <p:cNvPr id="86" name="Google Shape;86;p2:notes">
             <a:extLst>
               <a:ext uri="{FF2B5EF4-FFF2-40B4-BE49-F238E27FC236}">
-                <a16:creationId xmlns:a16="http://schemas.microsoft.com/office/drawing/2014/main" id="{4B6FC519-7324-52BA-DEF0-964535CB6173}"/>
+                <a16:creationId xmlns:a16="http://schemas.microsoft.com/office/drawing/2014/main" id="{C7F89CF1-530D-0D6A-D5A8-37334EC659DD}"/>
               </a:ext>
             </a:extLst>
           </p:cNvPr>
@@ -2743,7 +2765,7 @@
     </p:spTree>
     <p:extLst>
       <p:ext uri="{BB962C8B-B14F-4D97-AF65-F5344CB8AC3E}">
-        <p14:creationId xmlns:p14="http://schemas.microsoft.com/office/powerpoint/2010/main" val="3021614631"/>
+        <p14:creationId xmlns:p14="http://schemas.microsoft.com/office/powerpoint/2010/main" val="556631712"/>
       </p:ext>
     </p:extLst>
   </p:cSld>
@@ -2753,18 +2775,12 @@
 </p:notes>
 </file>
 
-<file path=ppt/notesSlides/notesSlide4.xml><?xml version="1.0" encoding="utf-8"?>
+<file path=ppt/notesSlides/notesSlide5.xml><?xml version="1.0" encoding="utf-8"?>
 <p:notes xmlns:a="http://schemas.openxmlformats.org/drawingml/2006/main" xmlns:r="http://schemas.openxmlformats.org/officeDocument/2006/relationships" xmlns:p="http://schemas.openxmlformats.org/presentationml/2006/main" showMasterSp="0" showMasterPhAnim="0">
   <p:cSld>
     <p:spTree>
       <p:nvGrpSpPr>
-        <p:cNvPr id="1" name="Shape 84">
-          <a:extLst>
-            <a:ext uri="{FF2B5EF4-FFF2-40B4-BE49-F238E27FC236}">
-              <a16:creationId xmlns:a16="http://schemas.microsoft.com/office/drawing/2014/main" id="{F733853A-62BC-D271-9C6F-1D42E57A6414}"/>
-            </a:ext>
-          </a:extLst>
-        </p:cNvPr>
+        <p:cNvPr id="1" name="Shape 93"/>
         <p:cNvGrpSpPr/>
         <p:nvPr/>
       </p:nvGrpSpPr>
@@ -2778,13 +2794,7 @@
       </p:grpSpPr>
       <p:sp>
         <p:nvSpPr>
-          <p:cNvPr id="85" name="Google Shape;85;p2:notes">
-            <a:extLst>
-              <a:ext uri="{FF2B5EF4-FFF2-40B4-BE49-F238E27FC236}">
-                <a16:creationId xmlns:a16="http://schemas.microsoft.com/office/drawing/2014/main" id="{7683CEE9-8972-2021-22B2-ECEFF195BAA1}"/>
-              </a:ext>
-            </a:extLst>
-          </p:cNvPr>
+          <p:cNvPr id="94" name="Google Shape;94;p3:notes"/>
           <p:cNvSpPr txBox="1">
             <a:spLocks noGrp="1"/>
           </p:cNvSpPr>
@@ -2795,7 +2805,7 @@
         <p:spPr>
           <a:xfrm>
             <a:off x="685800" y="4400550"/>
-            <a:ext cx="5486400" cy="3600450"/>
+            <a:ext cx="5486400" cy="3600600"/>
           </a:xfrm>
           <a:prstGeom prst="rect">
             <a:avLst/>
@@ -2830,13 +2840,7 @@
       </p:sp>
       <p:sp>
         <p:nvSpPr>
-          <p:cNvPr id="86" name="Google Shape;86;p2:notes">
-            <a:extLst>
-              <a:ext uri="{FF2B5EF4-FFF2-40B4-BE49-F238E27FC236}">
-                <a16:creationId xmlns:a16="http://schemas.microsoft.com/office/drawing/2014/main" id="{C7F89CF1-530D-0D6A-D5A8-37334EC659DD}"/>
-              </a:ext>
-            </a:extLst>
-          </p:cNvPr>
+          <p:cNvPr id="95" name="Google Shape;95;p3:notes"/>
           <p:cNvSpPr>
             <a:spLocks noGrp="1" noRot="1" noChangeAspect="1"/>
           </p:cNvSpPr>
@@ -2886,11 +2890,6 @@
         </p:spPr>
       </p:sp>
     </p:spTree>
-    <p:extLst>
-      <p:ext uri="{BB962C8B-B14F-4D97-AF65-F5344CB8AC3E}">
-        <p14:creationId xmlns:p14="http://schemas.microsoft.com/office/powerpoint/2010/main" val="556631712"/>
-      </p:ext>
-    </p:extLst>
   </p:cSld>
   <p:clrMapOvr>
     <a:masterClrMapping/>
@@ -2898,12 +2897,12 @@
 </p:notes>
 </file>
 
-<file path=ppt/notesSlides/notesSlide5.xml><?xml version="1.0" encoding="utf-8"?>
+<file path=ppt/notesSlides/notesSlide6.xml><?xml version="1.0" encoding="utf-8"?>
 <p:notes xmlns:a="http://schemas.openxmlformats.org/drawingml/2006/main" xmlns:r="http://schemas.openxmlformats.org/officeDocument/2006/relationships" xmlns:p="http://schemas.openxmlformats.org/presentationml/2006/main" showMasterSp="0" showMasterPhAnim="0">
   <p:cSld>
     <p:spTree>
       <p:nvGrpSpPr>
-        <p:cNvPr id="1" name="Shape 93"/>
+        <p:cNvPr id="1" name="Shape 102"/>
         <p:cNvGrpSpPr/>
         <p:nvPr/>
       </p:nvGrpSpPr>
@@ -2917,7 +2916,7 @@
       </p:grpSpPr>
       <p:sp>
         <p:nvSpPr>
-          <p:cNvPr id="94" name="Google Shape;94;p3:notes"/>
+          <p:cNvPr id="103" name="Google Shape;103;p4:notes"/>
           <p:cNvSpPr txBox="1">
             <a:spLocks noGrp="1"/>
           </p:cNvSpPr>
@@ -2963,7 +2962,7 @@
       </p:sp>
       <p:sp>
         <p:nvSpPr>
-          <p:cNvPr id="95" name="Google Shape;95;p3:notes"/>
+          <p:cNvPr id="104" name="Google Shape;104;p4:notes"/>
           <p:cNvSpPr>
             <a:spLocks noGrp="1" noRot="1" noChangeAspect="1"/>
           </p:cNvSpPr>
@@ -3020,12 +3019,18 @@
 </p:notes>
 </file>
 
-<file path=ppt/notesSlides/notesSlide6.xml><?xml version="1.0" encoding="utf-8"?>
+<file path=ppt/notesSlides/notesSlide7.xml><?xml version="1.0" encoding="utf-8"?>
 <p:notes xmlns:a="http://schemas.openxmlformats.org/drawingml/2006/main" xmlns:r="http://schemas.openxmlformats.org/officeDocument/2006/relationships" xmlns:p="http://schemas.openxmlformats.org/presentationml/2006/main" showMasterSp="0" showMasterPhAnim="0">
   <p:cSld>
     <p:spTree>
       <p:nvGrpSpPr>
-        <p:cNvPr id="1" name="Shape 102"/>
+        <p:cNvPr id="1" name="Shape 102">
+          <a:extLst>
+            <a:ext uri="{FF2B5EF4-FFF2-40B4-BE49-F238E27FC236}">
+              <a16:creationId xmlns:a16="http://schemas.microsoft.com/office/drawing/2014/main" id="{78AD938F-F2DD-1D88-32AD-F7B5C5735837}"/>
+            </a:ext>
+          </a:extLst>
+        </p:cNvPr>
         <p:cNvGrpSpPr/>
         <p:nvPr/>
       </p:nvGrpSpPr>
@@ -3039,7 +3044,13 @@
       </p:grpSpPr>
       <p:sp>
         <p:nvSpPr>
-          <p:cNvPr id="103" name="Google Shape;103;p4:notes"/>
+          <p:cNvPr id="103" name="Google Shape;103;p4:notes">
+            <a:extLst>
+              <a:ext uri="{FF2B5EF4-FFF2-40B4-BE49-F238E27FC236}">
+                <a16:creationId xmlns:a16="http://schemas.microsoft.com/office/drawing/2014/main" id="{5F5E9FA3-0081-323D-5455-B4DB244038BC}"/>
+              </a:ext>
+            </a:extLst>
+          </p:cNvPr>
           <p:cNvSpPr txBox="1">
             <a:spLocks noGrp="1"/>
           </p:cNvSpPr>
@@ -3085,7 +3096,13 @@
       </p:sp>
       <p:sp>
         <p:nvSpPr>
-          <p:cNvPr id="104" name="Google Shape;104;p4:notes"/>
+          <p:cNvPr id="104" name="Google Shape;104;p4:notes">
+            <a:extLst>
+              <a:ext uri="{FF2B5EF4-FFF2-40B4-BE49-F238E27FC236}">
+                <a16:creationId xmlns:a16="http://schemas.microsoft.com/office/drawing/2014/main" id="{7C38D7ED-6D0B-89C9-890F-FA0E9A59D370}"/>
+              </a:ext>
+            </a:extLst>
+          </p:cNvPr>
           <p:cNvSpPr>
             <a:spLocks noGrp="1" noRot="1" noChangeAspect="1"/>
           </p:cNvSpPr>
@@ -3135,6 +3152,11 @@
         </p:spPr>
       </p:sp>
     </p:spTree>
+    <p:extLst>
+      <p:ext uri="{BB962C8B-B14F-4D97-AF65-F5344CB8AC3E}">
+        <p14:creationId xmlns:p14="http://schemas.microsoft.com/office/powerpoint/2010/main" val="1753300683"/>
+      </p:ext>
+    </p:extLst>
   </p:cSld>
   <p:clrMapOvr>
     <a:masterClrMapping/>
@@ -3142,7 +3164,7 @@
 </p:notes>
 </file>
 
-<file path=ppt/notesSlides/notesSlide7.xml><?xml version="1.0" encoding="utf-8"?>
+<file path=ppt/notesSlides/notesSlide8.xml><?xml version="1.0" encoding="utf-8"?>
 <p:notes xmlns:a="http://schemas.openxmlformats.org/drawingml/2006/main" xmlns:r="http://schemas.openxmlformats.org/officeDocument/2006/relationships" xmlns:p="http://schemas.openxmlformats.org/presentationml/2006/main" showMasterSp="0" showMasterPhAnim="0">
   <p:cSld>
     <p:spTree>
@@ -3150,7 +3172,7 @@
         <p:cNvPr id="1" name="Shape 102">
           <a:extLst>
             <a:ext uri="{FF2B5EF4-FFF2-40B4-BE49-F238E27FC236}">
-              <a16:creationId xmlns:a16="http://schemas.microsoft.com/office/drawing/2014/main" id="{78AD938F-F2DD-1D88-32AD-F7B5C5735837}"/>
+              <a16:creationId xmlns:a16="http://schemas.microsoft.com/office/drawing/2014/main" id="{B85985FD-472C-4A57-274C-D914A3A88B2A}"/>
             </a:ext>
           </a:extLst>
         </p:cNvPr>
@@ -3170,7 +3192,7 @@
           <p:cNvPr id="103" name="Google Shape;103;p4:notes">
             <a:extLst>
               <a:ext uri="{FF2B5EF4-FFF2-40B4-BE49-F238E27FC236}">
-                <a16:creationId xmlns:a16="http://schemas.microsoft.com/office/drawing/2014/main" id="{5F5E9FA3-0081-323D-5455-B4DB244038BC}"/>
+                <a16:creationId xmlns:a16="http://schemas.microsoft.com/office/drawing/2014/main" id="{B930934A-D7A7-5042-BEC5-7DB0CB5B9D71}"/>
               </a:ext>
             </a:extLst>
           </p:cNvPr>
@@ -3222,7 +3244,7 @@
           <p:cNvPr id="104" name="Google Shape;104;p4:notes">
             <a:extLst>
               <a:ext uri="{FF2B5EF4-FFF2-40B4-BE49-F238E27FC236}">
-                <a16:creationId xmlns:a16="http://schemas.microsoft.com/office/drawing/2014/main" id="{7C38D7ED-6D0B-89C9-890F-FA0E9A59D370}"/>
+                <a16:creationId xmlns:a16="http://schemas.microsoft.com/office/drawing/2014/main" id="{7613AA4A-2759-9D47-DC93-446B97426379}"/>
               </a:ext>
             </a:extLst>
           </p:cNvPr>
@@ -3277,7 +3299,7 @@
     </p:spTree>
     <p:extLst>
       <p:ext uri="{BB962C8B-B14F-4D97-AF65-F5344CB8AC3E}">
-        <p14:creationId xmlns:p14="http://schemas.microsoft.com/office/powerpoint/2010/main" val="1753300683"/>
+        <p14:creationId xmlns:p14="http://schemas.microsoft.com/office/powerpoint/2010/main" val="1872534481"/>
       </p:ext>
     </p:extLst>
   </p:cSld>
@@ -3287,18 +3309,12 @@
 </p:notes>
 </file>
 
-<file path=ppt/notesSlides/notesSlide8.xml><?xml version="1.0" encoding="utf-8"?>
+<file path=ppt/notesSlides/notesSlide9.xml><?xml version="1.0" encoding="utf-8"?>
 <p:notes xmlns:a="http://schemas.openxmlformats.org/drawingml/2006/main" xmlns:r="http://schemas.openxmlformats.org/officeDocument/2006/relationships" xmlns:p="http://schemas.openxmlformats.org/presentationml/2006/main" showMasterSp="0" showMasterPhAnim="0">
   <p:cSld>
     <p:spTree>
       <p:nvGrpSpPr>
-        <p:cNvPr id="1" name="Shape 102">
-          <a:extLst>
-            <a:ext uri="{FF2B5EF4-FFF2-40B4-BE49-F238E27FC236}">
-              <a16:creationId xmlns:a16="http://schemas.microsoft.com/office/drawing/2014/main" id="{B85985FD-472C-4A57-274C-D914A3A88B2A}"/>
-            </a:ext>
-          </a:extLst>
-        </p:cNvPr>
+        <p:cNvPr id="1" name="Shape 111"/>
         <p:cNvGrpSpPr/>
         <p:nvPr/>
       </p:nvGrpSpPr>
@@ -3312,13 +3328,7 @@
       </p:grpSpPr>
       <p:sp>
         <p:nvSpPr>
-          <p:cNvPr id="103" name="Google Shape;103;p4:notes">
-            <a:extLst>
-              <a:ext uri="{FF2B5EF4-FFF2-40B4-BE49-F238E27FC236}">
-                <a16:creationId xmlns:a16="http://schemas.microsoft.com/office/drawing/2014/main" id="{B930934A-D7A7-5042-BEC5-7DB0CB5B9D71}"/>
-              </a:ext>
-            </a:extLst>
-          </p:cNvPr>
+          <p:cNvPr id="112" name="Google Shape;112;p5:notes"/>
           <p:cNvSpPr txBox="1">
             <a:spLocks noGrp="1"/>
           </p:cNvSpPr>
@@ -3329,7 +3339,7 @@
         <p:spPr>
           <a:xfrm>
             <a:off x="685800" y="4400550"/>
-            <a:ext cx="5486400" cy="3600600"/>
+            <a:ext cx="5486400" cy="3600450"/>
           </a:xfrm>
           <a:prstGeom prst="rect">
             <a:avLst/>
@@ -3364,13 +3374,7 @@
       </p:sp>
       <p:sp>
         <p:nvSpPr>
-          <p:cNvPr id="104" name="Google Shape;104;p4:notes">
-            <a:extLst>
-              <a:ext uri="{FF2B5EF4-FFF2-40B4-BE49-F238E27FC236}">
-                <a16:creationId xmlns:a16="http://schemas.microsoft.com/office/drawing/2014/main" id="{7613AA4A-2759-9D47-DC93-446B97426379}"/>
-              </a:ext>
-            </a:extLst>
-          </p:cNvPr>
+          <p:cNvPr id="113" name="Google Shape;113;p5:notes"/>
           <p:cNvSpPr>
             <a:spLocks noGrp="1" noRot="1" noChangeAspect="1"/>
           </p:cNvSpPr>
@@ -3420,133 +3424,6 @@
         </p:spPr>
       </p:sp>
     </p:spTree>
-    <p:extLst>
-      <p:ext uri="{BB962C8B-B14F-4D97-AF65-F5344CB8AC3E}">
-        <p14:creationId xmlns:p14="http://schemas.microsoft.com/office/powerpoint/2010/main" val="1872534481"/>
-      </p:ext>
-    </p:extLst>
-  </p:cSld>
-  <p:clrMapOvr>
-    <a:masterClrMapping/>
-  </p:clrMapOvr>
-</p:notes>
-</file>
-
-<file path=ppt/notesSlides/notesSlide9.xml><?xml version="1.0" encoding="utf-8"?>
-<p:notes xmlns:a="http://schemas.openxmlformats.org/drawingml/2006/main" xmlns:r="http://schemas.openxmlformats.org/officeDocument/2006/relationships" xmlns:p="http://schemas.openxmlformats.org/presentationml/2006/main" showMasterSp="0" showMasterPhAnim="0">
-  <p:cSld>
-    <p:spTree>
-      <p:nvGrpSpPr>
-        <p:cNvPr id="1" name="Shape 111"/>
-        <p:cNvGrpSpPr/>
-        <p:nvPr/>
-      </p:nvGrpSpPr>
-      <p:grpSpPr>
-        <a:xfrm>
-          <a:off x="0" y="0"/>
-          <a:ext cx="0" cy="0"/>
-          <a:chOff x="0" y="0"/>
-          <a:chExt cx="0" cy="0"/>
-        </a:xfrm>
-      </p:grpSpPr>
-      <p:sp>
-        <p:nvSpPr>
-          <p:cNvPr id="112" name="Google Shape;112;p5:notes"/>
-          <p:cNvSpPr txBox="1">
-            <a:spLocks noGrp="1"/>
-          </p:cNvSpPr>
-          <p:nvPr>
-            <p:ph type="body" idx="1"/>
-          </p:nvPr>
-        </p:nvSpPr>
-        <p:spPr>
-          <a:xfrm>
-            <a:off x="685800" y="4400550"/>
-            <a:ext cx="5486400" cy="3600450"/>
-          </a:xfrm>
-          <a:prstGeom prst="rect">
-            <a:avLst/>
-          </a:prstGeom>
-          <a:noFill/>
-          <a:ln>
-            <a:noFill/>
-          </a:ln>
-        </p:spPr>
-        <p:txBody>
-          <a:bodyPr spcFirstLastPara="1" wrap="square" lIns="91425" tIns="45700" rIns="91425" bIns="45700" anchor="t" anchorCtr="0">
-            <a:noAutofit/>
-          </a:bodyPr>
-          <a:lstStyle/>
-          <a:p>
-            <a:pPr marL="0" lvl="0" indent="0" algn="l" rtl="0">
-              <a:lnSpc>
-                <a:spcPct val="100000"/>
-              </a:lnSpc>
-              <a:spcBef>
-                <a:spcPts val="0"/>
-              </a:spcBef>
-              <a:spcAft>
-                <a:spcPts val="0"/>
-              </a:spcAft>
-              <a:buSzPts val="1400"/>
-              <a:buNone/>
-            </a:pPr>
-            <a:endParaRPr/>
-          </a:p>
-        </p:txBody>
-      </p:sp>
-      <p:sp>
-        <p:nvSpPr>
-          <p:cNvPr id="113" name="Google Shape;113;p5:notes"/>
-          <p:cNvSpPr>
-            <a:spLocks noGrp="1" noRot="1" noChangeAspect="1"/>
-          </p:cNvSpPr>
-          <p:nvPr>
-            <p:ph type="sldImg" idx="2"/>
-          </p:nvPr>
-        </p:nvSpPr>
-        <p:spPr>
-          <a:xfrm>
-            <a:off x="685800" y="1143000"/>
-            <a:ext cx="5486400" cy="3086100"/>
-          </a:xfrm>
-          <a:custGeom>
-            <a:avLst/>
-            <a:gdLst/>
-            <a:ahLst/>
-            <a:cxnLst/>
-            <a:rect l="l" t="t" r="r" b="b"/>
-            <a:pathLst>
-              <a:path w="120000" h="120000" extrusionOk="0">
-                <a:moveTo>
-                  <a:pt x="0" y="0"/>
-                </a:moveTo>
-                <a:lnTo>
-                  <a:pt x="120000" y="0"/>
-                </a:lnTo>
-                <a:lnTo>
-                  <a:pt x="120000" y="120000"/>
-                </a:lnTo>
-                <a:lnTo>
-                  <a:pt x="0" y="120000"/>
-                </a:lnTo>
-                <a:close/>
-              </a:path>
-            </a:pathLst>
-          </a:custGeom>
-          <a:noFill/>
-          <a:ln w="12700" cap="flat" cmpd="sng">
-            <a:solidFill>
-              <a:srgbClr val="000000"/>
-            </a:solidFill>
-            <a:prstDash val="solid"/>
-            <a:round/>
-            <a:headEnd type="none" w="sm" len="sm"/>
-            <a:tailEnd type="none" w="sm" len="sm"/>
-          </a:ln>
-        </p:spPr>
-      </p:sp>
-    </p:spTree>
   </p:cSld>
   <p:clrMapOvr>
     <a:masterClrMapping/>
@@ -3685,7 +3562,7 @@
           <a:p>
             <a:r>
               <a:rPr lang="en-US"/>
-              <a:t>27-07-2024</a:t>
+              <a:t>26-05-2025</a:t>
             </a:r>
             <a:endParaRPr lang="en-IN"/>
           </a:p>
@@ -3864,7 +3741,7 @@
           <a:p>
             <a:r>
               <a:rPr lang="en-US"/>
-              <a:t>27-07-2024</a:t>
+              <a:t>26-05-2025</a:t>
             </a:r>
             <a:endParaRPr lang="en-IN"/>
           </a:p>
@@ -4053,7 +3930,7 @@
           <a:p>
             <a:r>
               <a:rPr lang="en-US"/>
-              <a:t>27-07-2024</a:t>
+              <a:t>26-05-2025</a:t>
             </a:r>
             <a:endParaRPr lang="en-IN"/>
           </a:p>
@@ -4232,7 +4109,7 @@
           <a:p>
             <a:r>
               <a:rPr lang="en-US"/>
-              <a:t>27-07-2024</a:t>
+              <a:t>26-05-2025</a:t>
             </a:r>
             <a:endParaRPr lang="en-IN"/>
           </a:p>
@@ -4487,7 +4364,7 @@
           <a:p>
             <a:r>
               <a:rPr lang="en-US"/>
-              <a:t>27-07-2024</a:t>
+              <a:t>26-05-2025</a:t>
             </a:r>
             <a:endParaRPr lang="en-IN"/>
           </a:p>
@@ -4728,7 +4605,7 @@
           <a:p>
             <a:r>
               <a:rPr lang="en-US"/>
-              <a:t>27-07-2024</a:t>
+              <a:t>26-05-2025</a:t>
             </a:r>
             <a:endParaRPr lang="en-IN"/>
           </a:p>
@@ -5104,7 +4981,7 @@
           <a:p>
             <a:r>
               <a:rPr lang="en-US"/>
-              <a:t>27-07-2024</a:t>
+              <a:t>26-05-2025</a:t>
             </a:r>
             <a:endParaRPr lang="en-IN"/>
           </a:p>
@@ -5231,7 +5108,7 @@
           <a:p>
             <a:r>
               <a:rPr lang="en-US"/>
-              <a:t>27-07-2024</a:t>
+              <a:t>26-05-2025</a:t>
             </a:r>
             <a:endParaRPr lang="en-IN"/>
           </a:p>
@@ -5335,7 +5212,7 @@
           <a:p>
             <a:r>
               <a:rPr lang="en-US"/>
-              <a:t>27-07-2024</a:t>
+              <a:t>26-05-2025</a:t>
             </a:r>
             <a:endParaRPr lang="en-IN"/>
           </a:p>
@@ -5621,7 +5498,7 @@
           <a:p>
             <a:r>
               <a:rPr lang="en-US"/>
-              <a:t>27-07-2024</a:t>
+              <a:t>26-05-2025</a:t>
             </a:r>
             <a:endParaRPr lang="en-IN"/>
           </a:p>
@@ -5887,7 +5764,7 @@
           <a:p>
             <a:r>
               <a:rPr lang="en-US"/>
-              <a:t>27-07-2024</a:t>
+              <a:t>26-05-2025</a:t>
             </a:r>
             <a:endParaRPr lang="en-IN"/>
           </a:p>
@@ -6109,7 +5986,7 @@
           <a:p>
             <a:r>
               <a:rPr lang="en-US"/>
-              <a:t>27-07-2024</a:t>
+              <a:t>26-05-2025</a:t>
             </a:r>
             <a:endParaRPr lang="en-IN"/>
           </a:p>
@@ -6721,7 +6598,7 @@
           <a:p>
             <a:r>
               <a:rPr lang="en-US"/>
-              <a:t>27-07-2024</a:t>
+              <a:t>26-05-2025</a:t>
             </a:r>
             <a:endParaRPr lang="en-IN"/>
           </a:p>
@@ -7014,7 +6891,7 @@
             </a:pPr>
             <a:r>
               <a:rPr lang="en-US"/>
-              <a:t>27-07-2024</a:t>
+              <a:t>26-05-2025</a:t>
             </a:r>
             <a:endParaRPr/>
           </a:p>
@@ -8107,7 +7984,7 @@
                   <a:srgbClr val="385623"/>
                 </a:solidFill>
               </a:rPr>
-              <a:t>27-07-2024</a:t>
+              <a:t>26-05-2025</a:t>
             </a:r>
             <a:endParaRPr sz="1800" b="1">
               <a:solidFill>
@@ -8702,140 +8579,6 @@
               <a:sym typeface="Cambria"/>
             </a:endParaRPr>
           </a:p>
-          <a:p>
-            <a:pPr marL="0" lvl="0" indent="0" algn="l" rtl="0">
-              <a:lnSpc>
-                <a:spcPct val="100000"/>
-              </a:lnSpc>
-              <a:spcBef>
-                <a:spcPts val="0"/>
-              </a:spcBef>
-              <a:spcAft>
-                <a:spcPts val="0"/>
-              </a:spcAft>
-              <a:buSzPts val="1800"/>
-              <a:buNone/>
-            </a:pPr>
-            <a:r>
-              <a:rPr lang="en-US" sz="1800" b="1" dirty="0">
-                <a:solidFill>
-                  <a:srgbClr val="2F5496"/>
-                </a:solidFill>
-                <a:highlight>
-                  <a:srgbClr val="FFFFFF"/>
-                </a:highlight>
-                <a:latin typeface="Cambria"/>
-                <a:ea typeface="Cambria"/>
-                <a:cs typeface="Cambria"/>
-                <a:sym typeface="Cambria"/>
-              </a:rPr>
-              <a:t>  10.Auditing and Transparency:</a:t>
-            </a:r>
-            <a:endParaRPr sz="1800" b="1" dirty="0">
-              <a:solidFill>
-                <a:srgbClr val="2F5496"/>
-              </a:solidFill>
-              <a:highlight>
-                <a:srgbClr val="FFFFFF"/>
-              </a:highlight>
-              <a:latin typeface="Cambria"/>
-              <a:ea typeface="Cambria"/>
-              <a:cs typeface="Cambria"/>
-              <a:sym typeface="Cambria"/>
-            </a:endParaRPr>
-          </a:p>
-          <a:p>
-            <a:pPr marL="914400" lvl="1" indent="-342900" algn="l" rtl="0">
-              <a:lnSpc>
-                <a:spcPct val="100000"/>
-              </a:lnSpc>
-              <a:spcBef>
-                <a:spcPts val="0"/>
-              </a:spcBef>
-              <a:spcAft>
-                <a:spcPts val="0"/>
-              </a:spcAft>
-              <a:buClr>
-                <a:srgbClr val="0D0D0D"/>
-              </a:buClr>
-              <a:buSzPts val="1800"/>
-              <a:buFont typeface="Cambria"/>
-              <a:buChar char="●"/>
-            </a:pPr>
-            <a:r>
-              <a:rPr lang="en-US" sz="1800" dirty="0">
-                <a:solidFill>
-                  <a:srgbClr val="0D0D0D"/>
-                </a:solidFill>
-                <a:highlight>
-                  <a:srgbClr val="FFFFFF"/>
-                </a:highlight>
-                <a:latin typeface="Cambria"/>
-                <a:ea typeface="Cambria"/>
-                <a:cs typeface="Cambria"/>
-                <a:sym typeface="Cambria"/>
-              </a:rPr>
-              <a:t>Stakeholders can audit blockchain.</a:t>
-            </a:r>
-            <a:endParaRPr sz="1800" dirty="0">
-              <a:solidFill>
-                <a:srgbClr val="0D0D0D"/>
-              </a:solidFill>
-              <a:highlight>
-                <a:srgbClr val="FFFFFF"/>
-              </a:highlight>
-              <a:latin typeface="Cambria"/>
-              <a:ea typeface="Cambria"/>
-              <a:cs typeface="Cambria"/>
-              <a:sym typeface="Cambria"/>
-            </a:endParaRPr>
-          </a:p>
-          <a:p>
-            <a:pPr marL="914400" lvl="1" indent="-342900" algn="l" rtl="0">
-              <a:lnSpc>
-                <a:spcPct val="100000"/>
-              </a:lnSpc>
-              <a:spcBef>
-                <a:spcPts val="0"/>
-              </a:spcBef>
-              <a:spcAft>
-                <a:spcPts val="0"/>
-              </a:spcAft>
-              <a:buClr>
-                <a:srgbClr val="0D0D0D"/>
-              </a:buClr>
-              <a:buSzPts val="1800"/>
-              <a:buFont typeface="Cambria"/>
-              <a:buChar char="●"/>
-            </a:pPr>
-            <a:r>
-              <a:rPr lang="en-US" sz="1800" dirty="0">
-                <a:solidFill>
-                  <a:srgbClr val="0D0D0D"/>
-                </a:solidFill>
-                <a:highlight>
-                  <a:srgbClr val="FFFFFF"/>
-                </a:highlight>
-                <a:latin typeface="Cambria"/>
-                <a:ea typeface="Cambria"/>
-                <a:cs typeface="Cambria"/>
-                <a:sym typeface="Cambria"/>
-              </a:rPr>
-              <a:t>Access to transaction verification.</a:t>
-            </a:r>
-            <a:endParaRPr sz="1800" dirty="0">
-              <a:solidFill>
-                <a:srgbClr val="0D0D0D"/>
-              </a:solidFill>
-              <a:highlight>
-                <a:srgbClr val="FFFFFF"/>
-              </a:highlight>
-              <a:latin typeface="Cambria"/>
-              <a:ea typeface="Cambria"/>
-              <a:cs typeface="Cambria"/>
-              <a:sym typeface="Cambria"/>
-            </a:endParaRPr>
-          </a:p>
         </p:txBody>
       </p:sp>
       <p:sp>
@@ -8882,7 +8625,7 @@
                   <a:srgbClr val="385623"/>
                 </a:solidFill>
               </a:rPr>
-              <a:t>27-07-2024</a:t>
+              <a:t>26-05-2025</a:t>
             </a:r>
             <a:endParaRPr sz="1800" b="1">
               <a:solidFill>
@@ -9741,7 +9484,7 @@
                   <a:srgbClr val="385623"/>
                 </a:solidFill>
               </a:rPr>
-              <a:t>27-07-2024</a:t>
+              <a:t>26-05-2025</a:t>
             </a:r>
             <a:endParaRPr sz="1800" b="1">
               <a:solidFill>
@@ -10027,7 +9770,7 @@
                   <a:srgbClr val="385623"/>
                 </a:solidFill>
               </a:rPr>
-              <a:t>27-07-2024</a:t>
+              <a:t>26-05-2025</a:t>
             </a:r>
             <a:endParaRPr sz="1800" b="1">
               <a:solidFill>
@@ -10100,1029 +9843,6 @@
 </file>
 
 <file path=ppt/slides/slide15.xml><?xml version="1.0" encoding="utf-8"?>
-<p:sld xmlns:a="http://schemas.openxmlformats.org/drawingml/2006/main" xmlns:r="http://schemas.openxmlformats.org/officeDocument/2006/relationships" xmlns:p="http://schemas.openxmlformats.org/presentationml/2006/main">
-  <p:cSld>
-    <p:spTree>
-      <p:nvGrpSpPr>
-        <p:cNvPr id="1" name="Shape 160"/>
-        <p:cNvGrpSpPr/>
-        <p:nvPr/>
-      </p:nvGrpSpPr>
-      <p:grpSpPr>
-        <a:xfrm>
-          <a:off x="0" y="0"/>
-          <a:ext cx="0" cy="0"/>
-          <a:chOff x="0" y="0"/>
-          <a:chExt cx="0" cy="0"/>
-        </a:xfrm>
-      </p:grpSpPr>
-      <p:sp>
-        <p:nvSpPr>
-          <p:cNvPr id="165" name="Google Shape;165;p11"/>
-          <p:cNvSpPr txBox="1">
-            <a:spLocks noGrp="1"/>
-          </p:cNvSpPr>
-          <p:nvPr>
-            <p:ph type="title"/>
-          </p:nvPr>
-        </p:nvSpPr>
-        <p:spPr>
-          <a:xfrm>
-            <a:off x="838200" y="240434"/>
-            <a:ext cx="10515600" cy="438300"/>
-          </a:xfrm>
-          <a:prstGeom prst="rect">
-            <a:avLst/>
-          </a:prstGeom>
-          <a:noFill/>
-          <a:ln>
-            <a:noFill/>
-          </a:ln>
-        </p:spPr>
-        <p:txBody>
-          <a:bodyPr spcFirstLastPara="1" wrap="square" lIns="91425" tIns="45700" rIns="91425" bIns="45700" anchor="ctr" anchorCtr="0">
-            <a:noAutofit/>
-          </a:bodyPr>
-          <a:lstStyle/>
-          <a:p>
-            <a:pPr marL="0" marR="0" lvl="0" indent="0" algn="ctr" rtl="0">
-              <a:lnSpc>
-                <a:spcPct val="90000"/>
-              </a:lnSpc>
-              <a:spcBef>
-                <a:spcPts val="0"/>
-              </a:spcBef>
-              <a:spcAft>
-                <a:spcPts val="0"/>
-              </a:spcAft>
-              <a:buClr>
-                <a:srgbClr val="2F5496"/>
-              </a:buClr>
-              <a:buSzPts val="2400"/>
-              <a:buFont typeface="Cambria"/>
-              <a:buNone/>
-            </a:pPr>
-            <a:r>
-              <a:rPr lang="en-US" sz="2400" b="1">
-                <a:solidFill>
-                  <a:srgbClr val="0070C0"/>
-                </a:solidFill>
-                <a:latin typeface="Cambria"/>
-                <a:ea typeface="Cambria"/>
-                <a:cs typeface="Cambria"/>
-                <a:sym typeface="Cambria"/>
-              </a:rPr>
-              <a:t>COST BENEFIT</a:t>
-            </a:r>
-            <a:r>
-              <a:rPr lang="en-US" sz="2400">
-                <a:solidFill>
-                  <a:srgbClr val="0070C0"/>
-                </a:solidFill>
-                <a:highlight>
-                  <a:srgbClr val="FFFFFF"/>
-                </a:highlight>
-                <a:latin typeface="Cambria"/>
-                <a:ea typeface="Cambria"/>
-                <a:cs typeface="Cambria"/>
-                <a:sym typeface="Cambria"/>
-              </a:rPr>
-              <a:t> </a:t>
-            </a:r>
-            <a:r>
-              <a:rPr lang="en-US" sz="2400" b="1">
-                <a:solidFill>
-                  <a:srgbClr val="0070C0"/>
-                </a:solidFill>
-                <a:latin typeface="Cambria"/>
-                <a:ea typeface="Cambria"/>
-                <a:cs typeface="Cambria"/>
-                <a:sym typeface="Cambria"/>
-              </a:rPr>
-              <a:t>ANALYSIS</a:t>
-            </a:r>
-            <a:endParaRPr sz="2400" b="1">
-              <a:solidFill>
-                <a:srgbClr val="0070C0"/>
-              </a:solidFill>
-              <a:latin typeface="Cambria"/>
-              <a:ea typeface="Cambria"/>
-              <a:cs typeface="Cambria"/>
-              <a:sym typeface="Cambria"/>
-            </a:endParaRPr>
-          </a:p>
-        </p:txBody>
-      </p:sp>
-      <p:sp>
-        <p:nvSpPr>
-          <p:cNvPr id="161" name="Google Shape;161;p11"/>
-          <p:cNvSpPr txBox="1">
-            <a:spLocks noGrp="1"/>
-          </p:cNvSpPr>
-          <p:nvPr>
-            <p:ph idx="1"/>
-          </p:nvPr>
-        </p:nvSpPr>
-        <p:spPr>
-          <a:xfrm>
-            <a:off x="838200" y="601425"/>
-            <a:ext cx="10674900" cy="5619300"/>
-          </a:xfrm>
-          <a:prstGeom prst="rect">
-            <a:avLst/>
-          </a:prstGeom>
-          <a:noFill/>
-          <a:ln w="9525" cap="flat" cmpd="sng">
-            <a:solidFill>
-              <a:srgbClr val="C00000"/>
-            </a:solidFill>
-            <a:prstDash val="solid"/>
-            <a:round/>
-            <a:headEnd type="none" w="sm" len="sm"/>
-            <a:tailEnd type="none" w="sm" len="sm"/>
-          </a:ln>
-        </p:spPr>
-        <p:txBody>
-          <a:bodyPr spcFirstLastPara="1" wrap="square" lIns="91425" tIns="45700" rIns="91425" bIns="45700" anchor="t" anchorCtr="0">
-            <a:noAutofit/>
-          </a:bodyPr>
-          <a:lstStyle/>
-          <a:p>
-            <a:pPr marL="457200" lvl="0" indent="-355600" algn="l" rtl="0">
-              <a:lnSpc>
-                <a:spcPct val="115000"/>
-              </a:lnSpc>
-              <a:spcBef>
-                <a:spcPts val="0"/>
-              </a:spcBef>
-              <a:spcAft>
-                <a:spcPts val="0"/>
-              </a:spcAft>
-              <a:buClr>
-                <a:srgbClr val="2F5496"/>
-              </a:buClr>
-              <a:buSzPts val="2000"/>
-              <a:buFont typeface="Cambria"/>
-              <a:buAutoNum type="arabicPeriod"/>
-            </a:pPr>
-            <a:r>
-              <a:rPr lang="en-US" sz="2000" b="1">
-                <a:solidFill>
-                  <a:srgbClr val="2F5496"/>
-                </a:solidFill>
-                <a:highlight>
-                  <a:srgbClr val="FFFFFF"/>
-                </a:highlight>
-                <a:latin typeface="Cambria"/>
-                <a:ea typeface="Cambria"/>
-                <a:cs typeface="Cambria"/>
-                <a:sym typeface="Cambria"/>
-              </a:rPr>
-              <a:t>Development Costs:</a:t>
-            </a:r>
-            <a:endParaRPr sz="2000" b="1">
-              <a:solidFill>
-                <a:srgbClr val="2F5496"/>
-              </a:solidFill>
-              <a:highlight>
-                <a:srgbClr val="FFFFFF"/>
-              </a:highlight>
-              <a:latin typeface="Cambria"/>
-              <a:ea typeface="Cambria"/>
-              <a:cs typeface="Cambria"/>
-              <a:sym typeface="Cambria"/>
-            </a:endParaRPr>
-          </a:p>
-          <a:p>
-            <a:pPr marL="914400" lvl="1" indent="-355600" algn="l" rtl="0">
-              <a:lnSpc>
-                <a:spcPct val="115000"/>
-              </a:lnSpc>
-              <a:spcBef>
-                <a:spcPts val="0"/>
-              </a:spcBef>
-              <a:spcAft>
-                <a:spcPts val="0"/>
-              </a:spcAft>
-              <a:buClr>
-                <a:srgbClr val="0D0D0D"/>
-              </a:buClr>
-              <a:buSzPts val="2000"/>
-              <a:buFont typeface="Cambria"/>
-              <a:buChar char="●"/>
-            </a:pPr>
-            <a:r>
-              <a:rPr lang="en-US" sz="2000">
-                <a:solidFill>
-                  <a:srgbClr val="0D0D0D"/>
-                </a:solidFill>
-                <a:highlight>
-                  <a:srgbClr val="FFFFFF"/>
-                </a:highlight>
-                <a:latin typeface="Cambria"/>
-                <a:ea typeface="Cambria"/>
-                <a:cs typeface="Cambria"/>
-                <a:sym typeface="Cambria"/>
-              </a:rPr>
-              <a:t>Hiring developers, blockchain experts.</a:t>
-            </a:r>
-            <a:endParaRPr sz="2000">
-              <a:solidFill>
-                <a:srgbClr val="0D0D0D"/>
-              </a:solidFill>
-              <a:highlight>
-                <a:srgbClr val="FFFFFF"/>
-              </a:highlight>
-              <a:latin typeface="Cambria"/>
-              <a:ea typeface="Cambria"/>
-              <a:cs typeface="Cambria"/>
-              <a:sym typeface="Cambria"/>
-            </a:endParaRPr>
-          </a:p>
-          <a:p>
-            <a:pPr marL="914400" lvl="1" indent="-355600" algn="l" rtl="0">
-              <a:lnSpc>
-                <a:spcPct val="115000"/>
-              </a:lnSpc>
-              <a:spcBef>
-                <a:spcPts val="0"/>
-              </a:spcBef>
-              <a:spcAft>
-                <a:spcPts val="0"/>
-              </a:spcAft>
-              <a:buClr>
-                <a:srgbClr val="0D0D0D"/>
-              </a:buClr>
-              <a:buSzPts val="2000"/>
-              <a:buFont typeface="Cambria"/>
-              <a:buChar char="●"/>
-            </a:pPr>
-            <a:r>
-              <a:rPr lang="en-US" sz="2000">
-                <a:solidFill>
-                  <a:srgbClr val="0D0D0D"/>
-                </a:solidFill>
-                <a:highlight>
-                  <a:srgbClr val="FFFFFF"/>
-                </a:highlight>
-                <a:latin typeface="Cambria"/>
-                <a:ea typeface="Cambria"/>
-                <a:cs typeface="Cambria"/>
-                <a:sym typeface="Cambria"/>
-              </a:rPr>
-              <a:t>Software licenses (IDEs, blockchain platforms).</a:t>
-            </a:r>
-            <a:endParaRPr sz="2000">
-              <a:solidFill>
-                <a:srgbClr val="0D0D0D"/>
-              </a:solidFill>
-              <a:highlight>
-                <a:srgbClr val="FFFFFF"/>
-              </a:highlight>
-              <a:latin typeface="Cambria"/>
-              <a:ea typeface="Cambria"/>
-              <a:cs typeface="Cambria"/>
-              <a:sym typeface="Cambria"/>
-            </a:endParaRPr>
-          </a:p>
-          <a:p>
-            <a:pPr marL="914400" lvl="1" indent="-355600" algn="l" rtl="0">
-              <a:lnSpc>
-                <a:spcPct val="115000"/>
-              </a:lnSpc>
-              <a:spcBef>
-                <a:spcPts val="0"/>
-              </a:spcBef>
-              <a:spcAft>
-                <a:spcPts val="0"/>
-              </a:spcAft>
-              <a:buClr>
-                <a:srgbClr val="0D0D0D"/>
-              </a:buClr>
-              <a:buSzPts val="2000"/>
-              <a:buFont typeface="Cambria"/>
-              <a:buChar char="●"/>
-            </a:pPr>
-            <a:r>
-              <a:rPr lang="en-US" sz="2000">
-                <a:solidFill>
-                  <a:srgbClr val="0D0D0D"/>
-                </a:solidFill>
-                <a:highlight>
-                  <a:srgbClr val="FFFFFF"/>
-                </a:highlight>
-                <a:latin typeface="Cambria"/>
-                <a:ea typeface="Cambria"/>
-                <a:cs typeface="Cambria"/>
-                <a:sym typeface="Cambria"/>
-              </a:rPr>
-              <a:t>Smart contract development.</a:t>
-            </a:r>
-            <a:endParaRPr sz="2000">
-              <a:solidFill>
-                <a:srgbClr val="0D0D0D"/>
-              </a:solidFill>
-              <a:highlight>
-                <a:srgbClr val="FFFFFF"/>
-              </a:highlight>
-              <a:latin typeface="Cambria"/>
-              <a:ea typeface="Cambria"/>
-              <a:cs typeface="Cambria"/>
-              <a:sym typeface="Cambria"/>
-            </a:endParaRPr>
-          </a:p>
-          <a:p>
-            <a:pPr marL="457200" lvl="0" indent="-355600" algn="l" rtl="0">
-              <a:lnSpc>
-                <a:spcPct val="115000"/>
-              </a:lnSpc>
-              <a:spcBef>
-                <a:spcPts val="0"/>
-              </a:spcBef>
-              <a:spcAft>
-                <a:spcPts val="0"/>
-              </a:spcAft>
-              <a:buClr>
-                <a:srgbClr val="2F5496"/>
-              </a:buClr>
-              <a:buSzPts val="2000"/>
-              <a:buFont typeface="Cambria"/>
-              <a:buAutoNum type="arabicPeriod"/>
-            </a:pPr>
-            <a:r>
-              <a:rPr lang="en-US" sz="2000" b="1">
-                <a:solidFill>
-                  <a:srgbClr val="2F5496"/>
-                </a:solidFill>
-                <a:highlight>
-                  <a:srgbClr val="FFFFFF"/>
-                </a:highlight>
-                <a:latin typeface="Cambria"/>
-                <a:ea typeface="Cambria"/>
-                <a:cs typeface="Cambria"/>
-                <a:sym typeface="Cambria"/>
-              </a:rPr>
-              <a:t>Deployment Costs:</a:t>
-            </a:r>
-            <a:endParaRPr sz="2000" b="1">
-              <a:solidFill>
-                <a:srgbClr val="2F5496"/>
-              </a:solidFill>
-              <a:highlight>
-                <a:srgbClr val="FFFFFF"/>
-              </a:highlight>
-              <a:latin typeface="Cambria"/>
-              <a:ea typeface="Cambria"/>
-              <a:cs typeface="Cambria"/>
-              <a:sym typeface="Cambria"/>
-            </a:endParaRPr>
-          </a:p>
-          <a:p>
-            <a:pPr marL="914400" lvl="1" indent="-355600" algn="l" rtl="0">
-              <a:lnSpc>
-                <a:spcPct val="115000"/>
-              </a:lnSpc>
-              <a:spcBef>
-                <a:spcPts val="0"/>
-              </a:spcBef>
-              <a:spcAft>
-                <a:spcPts val="0"/>
-              </a:spcAft>
-              <a:buClr>
-                <a:srgbClr val="0D0D0D"/>
-              </a:buClr>
-              <a:buSzPts val="2000"/>
-              <a:buFont typeface="Cambria"/>
-              <a:buChar char="●"/>
-            </a:pPr>
-            <a:r>
-              <a:rPr lang="en-US" sz="2000">
-                <a:solidFill>
-                  <a:srgbClr val="0D0D0D"/>
-                </a:solidFill>
-                <a:highlight>
-                  <a:srgbClr val="FFFFFF"/>
-                </a:highlight>
-                <a:latin typeface="Cambria"/>
-                <a:ea typeface="Cambria"/>
-                <a:cs typeface="Cambria"/>
-                <a:sym typeface="Cambria"/>
-              </a:rPr>
-              <a:t>Network setup, user training.</a:t>
-            </a:r>
-            <a:endParaRPr sz="2000">
-              <a:solidFill>
-                <a:srgbClr val="0D0D0D"/>
-              </a:solidFill>
-              <a:highlight>
-                <a:srgbClr val="FFFFFF"/>
-              </a:highlight>
-              <a:latin typeface="Cambria"/>
-              <a:ea typeface="Cambria"/>
-              <a:cs typeface="Cambria"/>
-              <a:sym typeface="Cambria"/>
-            </a:endParaRPr>
-          </a:p>
-          <a:p>
-            <a:pPr marL="914400" lvl="1" indent="-355600" algn="l" rtl="0">
-              <a:lnSpc>
-                <a:spcPct val="115000"/>
-              </a:lnSpc>
-              <a:spcBef>
-                <a:spcPts val="0"/>
-              </a:spcBef>
-              <a:spcAft>
-                <a:spcPts val="0"/>
-              </a:spcAft>
-              <a:buClr>
-                <a:srgbClr val="0D0D0D"/>
-              </a:buClr>
-              <a:buSzPts val="2000"/>
-              <a:buFont typeface="Cambria"/>
-              <a:buChar char="●"/>
-            </a:pPr>
-            <a:r>
-              <a:rPr lang="en-US" sz="2000">
-                <a:solidFill>
-                  <a:srgbClr val="0D0D0D"/>
-                </a:solidFill>
-                <a:highlight>
-                  <a:srgbClr val="FFFFFF"/>
-                </a:highlight>
-                <a:latin typeface="Cambria"/>
-                <a:ea typeface="Cambria"/>
-                <a:cs typeface="Cambria"/>
-                <a:sym typeface="Cambria"/>
-              </a:rPr>
-              <a:t>Testing, security audits.</a:t>
-            </a:r>
-            <a:endParaRPr sz="2000">
-              <a:solidFill>
-                <a:srgbClr val="0D0D0D"/>
-              </a:solidFill>
-              <a:highlight>
-                <a:srgbClr val="FFFFFF"/>
-              </a:highlight>
-              <a:latin typeface="Cambria"/>
-              <a:ea typeface="Cambria"/>
-              <a:cs typeface="Cambria"/>
-              <a:sym typeface="Cambria"/>
-            </a:endParaRPr>
-          </a:p>
-          <a:p>
-            <a:pPr marL="914400" lvl="1" indent="-355600" algn="l" rtl="0">
-              <a:lnSpc>
-                <a:spcPct val="115000"/>
-              </a:lnSpc>
-              <a:spcBef>
-                <a:spcPts val="0"/>
-              </a:spcBef>
-              <a:spcAft>
-                <a:spcPts val="0"/>
-              </a:spcAft>
-              <a:buClr>
-                <a:srgbClr val="0D0D0D"/>
-              </a:buClr>
-              <a:buSzPts val="2000"/>
-              <a:buFont typeface="Cambria"/>
-              <a:buChar char="●"/>
-            </a:pPr>
-            <a:r>
-              <a:rPr lang="en-US" sz="2000">
-                <a:solidFill>
-                  <a:srgbClr val="0D0D0D"/>
-                </a:solidFill>
-                <a:highlight>
-                  <a:srgbClr val="FFFFFF"/>
-                </a:highlight>
-                <a:latin typeface="Cambria"/>
-                <a:ea typeface="Cambria"/>
-                <a:cs typeface="Cambria"/>
-                <a:sym typeface="Cambria"/>
-              </a:rPr>
-              <a:t>Initial infrastructure investment.</a:t>
-            </a:r>
-            <a:endParaRPr sz="2000">
-              <a:solidFill>
-                <a:srgbClr val="0D0D0D"/>
-              </a:solidFill>
-              <a:highlight>
-                <a:srgbClr val="FFFFFF"/>
-              </a:highlight>
-              <a:latin typeface="Cambria"/>
-              <a:ea typeface="Cambria"/>
-              <a:cs typeface="Cambria"/>
-              <a:sym typeface="Cambria"/>
-            </a:endParaRPr>
-          </a:p>
-          <a:p>
-            <a:pPr marL="457200" lvl="0" indent="-355600" algn="l" rtl="0">
-              <a:lnSpc>
-                <a:spcPct val="115000"/>
-              </a:lnSpc>
-              <a:spcBef>
-                <a:spcPts val="0"/>
-              </a:spcBef>
-              <a:spcAft>
-                <a:spcPts val="0"/>
-              </a:spcAft>
-              <a:buClr>
-                <a:srgbClr val="2F5496"/>
-              </a:buClr>
-              <a:buSzPts val="2000"/>
-              <a:buFont typeface="Cambria"/>
-              <a:buAutoNum type="arabicPeriod"/>
-            </a:pPr>
-            <a:r>
-              <a:rPr lang="en-US" sz="2000" b="1">
-                <a:solidFill>
-                  <a:srgbClr val="2F5496"/>
-                </a:solidFill>
-                <a:highlight>
-                  <a:srgbClr val="FFFFFF"/>
-                </a:highlight>
-                <a:latin typeface="Cambria"/>
-                <a:ea typeface="Cambria"/>
-                <a:cs typeface="Cambria"/>
-                <a:sym typeface="Cambria"/>
-              </a:rPr>
-              <a:t>Operational Costs:</a:t>
-            </a:r>
-            <a:endParaRPr sz="2000" b="1">
-              <a:solidFill>
-                <a:srgbClr val="2F5496"/>
-              </a:solidFill>
-              <a:highlight>
-                <a:srgbClr val="FFFFFF"/>
-              </a:highlight>
-              <a:latin typeface="Cambria"/>
-              <a:ea typeface="Cambria"/>
-              <a:cs typeface="Cambria"/>
-              <a:sym typeface="Cambria"/>
-            </a:endParaRPr>
-          </a:p>
-          <a:p>
-            <a:pPr marL="914400" lvl="1" indent="-355600" algn="l" rtl="0">
-              <a:lnSpc>
-                <a:spcPct val="115000"/>
-              </a:lnSpc>
-              <a:spcBef>
-                <a:spcPts val="0"/>
-              </a:spcBef>
-              <a:spcAft>
-                <a:spcPts val="0"/>
-              </a:spcAft>
-              <a:buClr>
-                <a:srgbClr val="0D0D0D"/>
-              </a:buClr>
-              <a:buSzPts val="2000"/>
-              <a:buFont typeface="Cambria"/>
-              <a:buChar char="●"/>
-            </a:pPr>
-            <a:r>
-              <a:rPr lang="en-US" sz="2000">
-                <a:solidFill>
-                  <a:srgbClr val="0D0D0D"/>
-                </a:solidFill>
-                <a:highlight>
-                  <a:srgbClr val="FFFFFF"/>
-                </a:highlight>
-                <a:latin typeface="Cambria"/>
-                <a:ea typeface="Cambria"/>
-                <a:cs typeface="Cambria"/>
-                <a:sym typeface="Cambria"/>
-              </a:rPr>
-              <a:t>Maintenance, support.</a:t>
-            </a:r>
-            <a:endParaRPr sz="2000">
-              <a:solidFill>
-                <a:srgbClr val="0D0D0D"/>
-              </a:solidFill>
-              <a:highlight>
-                <a:srgbClr val="FFFFFF"/>
-              </a:highlight>
-              <a:latin typeface="Cambria"/>
-              <a:ea typeface="Cambria"/>
-              <a:cs typeface="Cambria"/>
-              <a:sym typeface="Cambria"/>
-            </a:endParaRPr>
-          </a:p>
-          <a:p>
-            <a:pPr marL="914400" lvl="1" indent="-355600" algn="l" rtl="0">
-              <a:lnSpc>
-                <a:spcPct val="115000"/>
-              </a:lnSpc>
-              <a:spcBef>
-                <a:spcPts val="0"/>
-              </a:spcBef>
-              <a:spcAft>
-                <a:spcPts val="0"/>
-              </a:spcAft>
-              <a:buClr>
-                <a:srgbClr val="0D0D0D"/>
-              </a:buClr>
-              <a:buSzPts val="2000"/>
-              <a:buFont typeface="Cambria"/>
-              <a:buChar char="●"/>
-            </a:pPr>
-            <a:r>
-              <a:rPr lang="en-US" sz="2000">
-                <a:solidFill>
-                  <a:srgbClr val="0D0D0D"/>
-                </a:solidFill>
-                <a:highlight>
-                  <a:srgbClr val="FFFFFF"/>
-                </a:highlight>
-                <a:latin typeface="Cambria"/>
-                <a:ea typeface="Cambria"/>
-                <a:cs typeface="Cambria"/>
-                <a:sym typeface="Cambria"/>
-              </a:rPr>
-              <a:t>Blockchain network fees.</a:t>
-            </a:r>
-            <a:endParaRPr sz="2000">
-              <a:solidFill>
-                <a:srgbClr val="0D0D0D"/>
-              </a:solidFill>
-              <a:highlight>
-                <a:srgbClr val="FFFFFF"/>
-              </a:highlight>
-              <a:latin typeface="Cambria"/>
-              <a:ea typeface="Cambria"/>
-              <a:cs typeface="Cambria"/>
-              <a:sym typeface="Cambria"/>
-            </a:endParaRPr>
-          </a:p>
-          <a:p>
-            <a:pPr marL="914400" lvl="1" indent="-355600" algn="l" rtl="0">
-              <a:lnSpc>
-                <a:spcPct val="115000"/>
-              </a:lnSpc>
-              <a:spcBef>
-                <a:spcPts val="0"/>
-              </a:spcBef>
-              <a:spcAft>
-                <a:spcPts val="0"/>
-              </a:spcAft>
-              <a:buClr>
-                <a:srgbClr val="0D0D0D"/>
-              </a:buClr>
-              <a:buSzPts val="2000"/>
-              <a:buFont typeface="Cambria"/>
-              <a:buChar char="●"/>
-            </a:pPr>
-            <a:r>
-              <a:rPr lang="en-US" sz="2000">
-                <a:solidFill>
-                  <a:srgbClr val="0D0D0D"/>
-                </a:solidFill>
-                <a:highlight>
-                  <a:srgbClr val="FFFFFF"/>
-                </a:highlight>
-                <a:latin typeface="Cambria"/>
-                <a:ea typeface="Cambria"/>
-                <a:cs typeface="Cambria"/>
-                <a:sym typeface="Cambria"/>
-              </a:rPr>
-              <a:t>Upgrades, enhancements.</a:t>
-            </a:r>
-            <a:endParaRPr sz="2000">
-              <a:solidFill>
-                <a:srgbClr val="0D0D0D"/>
-              </a:solidFill>
-              <a:highlight>
-                <a:srgbClr val="FFFFFF"/>
-              </a:highlight>
-              <a:latin typeface="Cambria"/>
-              <a:ea typeface="Cambria"/>
-              <a:cs typeface="Cambria"/>
-              <a:sym typeface="Cambria"/>
-            </a:endParaRPr>
-          </a:p>
-          <a:p>
-            <a:pPr marL="457200" lvl="0" indent="-355600" algn="l" rtl="0">
-              <a:lnSpc>
-                <a:spcPct val="115000"/>
-              </a:lnSpc>
-              <a:spcBef>
-                <a:spcPts val="0"/>
-              </a:spcBef>
-              <a:spcAft>
-                <a:spcPts val="0"/>
-              </a:spcAft>
-              <a:buClr>
-                <a:srgbClr val="2F5496"/>
-              </a:buClr>
-              <a:buSzPts val="2000"/>
-              <a:buFont typeface="Cambria"/>
-              <a:buAutoNum type="arabicPeriod"/>
-            </a:pPr>
-            <a:r>
-              <a:rPr lang="en-US" sz="2000" b="1">
-                <a:solidFill>
-                  <a:srgbClr val="2F5496"/>
-                </a:solidFill>
-                <a:highlight>
-                  <a:srgbClr val="FFFFFF"/>
-                </a:highlight>
-                <a:latin typeface="Cambria"/>
-                <a:ea typeface="Cambria"/>
-                <a:cs typeface="Cambria"/>
-                <a:sym typeface="Cambria"/>
-              </a:rPr>
-              <a:t>Security Costs:</a:t>
-            </a:r>
-            <a:endParaRPr sz="2000" b="1">
-              <a:solidFill>
-                <a:srgbClr val="2F5496"/>
-              </a:solidFill>
-              <a:highlight>
-                <a:srgbClr val="FFFFFF"/>
-              </a:highlight>
-              <a:latin typeface="Cambria"/>
-              <a:ea typeface="Cambria"/>
-              <a:cs typeface="Cambria"/>
-              <a:sym typeface="Cambria"/>
-            </a:endParaRPr>
-          </a:p>
-          <a:p>
-            <a:pPr marL="914400" lvl="1" indent="-355600" algn="l" rtl="0">
-              <a:lnSpc>
-                <a:spcPct val="115000"/>
-              </a:lnSpc>
-              <a:spcBef>
-                <a:spcPts val="0"/>
-              </a:spcBef>
-              <a:spcAft>
-                <a:spcPts val="0"/>
-              </a:spcAft>
-              <a:buClr>
-                <a:srgbClr val="0D0D0D"/>
-              </a:buClr>
-              <a:buSzPts val="2000"/>
-              <a:buFont typeface="Cambria"/>
-              <a:buChar char="●"/>
-            </a:pPr>
-            <a:r>
-              <a:rPr lang="en-US" sz="2000">
-                <a:solidFill>
-                  <a:srgbClr val="0D0D0D"/>
-                </a:solidFill>
-                <a:highlight>
-                  <a:srgbClr val="FFFFFF"/>
-                </a:highlight>
-                <a:latin typeface="Cambria"/>
-                <a:ea typeface="Cambria"/>
-                <a:cs typeface="Cambria"/>
-                <a:sym typeface="Cambria"/>
-              </a:rPr>
-              <a:t>Security tools, consultants.</a:t>
-            </a:r>
-            <a:endParaRPr sz="2000">
-              <a:solidFill>
-                <a:srgbClr val="0D0D0D"/>
-              </a:solidFill>
-              <a:highlight>
-                <a:srgbClr val="FFFFFF"/>
-              </a:highlight>
-              <a:latin typeface="Cambria"/>
-              <a:ea typeface="Cambria"/>
-              <a:cs typeface="Cambria"/>
-              <a:sym typeface="Cambria"/>
-            </a:endParaRPr>
-          </a:p>
-          <a:p>
-            <a:pPr marL="914400" lvl="1" indent="-355600" algn="l" rtl="0">
-              <a:lnSpc>
-                <a:spcPct val="115000"/>
-              </a:lnSpc>
-              <a:spcBef>
-                <a:spcPts val="0"/>
-              </a:spcBef>
-              <a:spcAft>
-                <a:spcPts val="0"/>
-              </a:spcAft>
-              <a:buClr>
-                <a:srgbClr val="0D0D0D"/>
-              </a:buClr>
-              <a:buSzPts val="2000"/>
-              <a:buFont typeface="Cambria"/>
-              <a:buChar char="●"/>
-            </a:pPr>
-            <a:r>
-              <a:rPr lang="en-US" sz="2000">
-                <a:solidFill>
-                  <a:srgbClr val="0D0D0D"/>
-                </a:solidFill>
-                <a:highlight>
-                  <a:srgbClr val="FFFFFF"/>
-                </a:highlight>
-                <a:latin typeface="Cambria"/>
-                <a:ea typeface="Cambria"/>
-                <a:cs typeface="Cambria"/>
-                <a:sym typeface="Cambria"/>
-              </a:rPr>
-              <a:t>Incident response plans.</a:t>
-            </a:r>
-            <a:endParaRPr sz="2000">
-              <a:solidFill>
-                <a:srgbClr val="0D0D0D"/>
-              </a:solidFill>
-              <a:highlight>
-                <a:srgbClr val="FFFFFF"/>
-              </a:highlight>
-              <a:latin typeface="Cambria"/>
-              <a:ea typeface="Cambria"/>
-              <a:cs typeface="Cambria"/>
-              <a:sym typeface="Cambria"/>
-            </a:endParaRPr>
-          </a:p>
-          <a:p>
-            <a:pPr marL="914400" lvl="1" indent="-355600" algn="l" rtl="0">
-              <a:lnSpc>
-                <a:spcPct val="115000"/>
-              </a:lnSpc>
-              <a:spcBef>
-                <a:spcPts val="0"/>
-              </a:spcBef>
-              <a:spcAft>
-                <a:spcPts val="0"/>
-              </a:spcAft>
-              <a:buClr>
-                <a:srgbClr val="0D0D0D"/>
-              </a:buClr>
-              <a:buSzPts val="2000"/>
-              <a:buFont typeface="Cambria"/>
-              <a:buChar char="●"/>
-            </a:pPr>
-            <a:r>
-              <a:rPr lang="en-US" sz="2000">
-                <a:solidFill>
-                  <a:srgbClr val="0D0D0D"/>
-                </a:solidFill>
-                <a:highlight>
-                  <a:srgbClr val="FFFFFF"/>
-                </a:highlight>
-                <a:latin typeface="Cambria"/>
-                <a:ea typeface="Cambria"/>
-                <a:cs typeface="Cambria"/>
-                <a:sym typeface="Cambria"/>
-              </a:rPr>
-              <a:t>Ongoing monitoring expenses.</a:t>
-            </a:r>
-            <a:endParaRPr sz="2000">
-              <a:solidFill>
-                <a:srgbClr val="0D0D0D"/>
-              </a:solidFill>
-              <a:highlight>
-                <a:srgbClr val="FFFFFF"/>
-              </a:highlight>
-              <a:latin typeface="Cambria"/>
-              <a:ea typeface="Cambria"/>
-              <a:cs typeface="Cambria"/>
-              <a:sym typeface="Cambria"/>
-            </a:endParaRPr>
-          </a:p>
-          <a:p>
-            <a:pPr marL="1371600" lvl="0" indent="0" algn="l" rtl="0">
-              <a:lnSpc>
-                <a:spcPct val="90000"/>
-              </a:lnSpc>
-              <a:spcBef>
-                <a:spcPts val="1500"/>
-              </a:spcBef>
-              <a:spcAft>
-                <a:spcPts val="0"/>
-              </a:spcAft>
-              <a:buSzPts val="1800"/>
-              <a:buNone/>
-            </a:pPr>
-            <a:endParaRPr sz="2000">
-              <a:latin typeface="Cambria"/>
-              <a:ea typeface="Cambria"/>
-              <a:cs typeface="Cambria"/>
-              <a:sym typeface="Cambria"/>
-            </a:endParaRPr>
-          </a:p>
-        </p:txBody>
-      </p:sp>
-      <p:sp>
-        <p:nvSpPr>
-          <p:cNvPr id="162" name="Google Shape;162;p11"/>
-          <p:cNvSpPr txBox="1">
-            <a:spLocks noGrp="1"/>
-          </p:cNvSpPr>
-          <p:nvPr>
-            <p:ph type="dt" sz="half" idx="10"/>
-          </p:nvPr>
-        </p:nvSpPr>
-        <p:spPr>
-          <a:prstGeom prst="rect">
-            <a:avLst/>
-          </a:prstGeom>
-          <a:noFill/>
-          <a:ln>
-            <a:noFill/>
-          </a:ln>
-        </p:spPr>
-        <p:txBody>
-          <a:bodyPr spcFirstLastPara="1" wrap="square" lIns="91425" tIns="45700" rIns="91425" bIns="45700" anchor="ctr" anchorCtr="0">
-            <a:noAutofit/>
-          </a:bodyPr>
-          <a:lstStyle/>
-          <a:p>
-            <a:pPr marL="0" lvl="0" indent="0" algn="l" rtl="0">
-              <a:lnSpc>
-                <a:spcPct val="100000"/>
-              </a:lnSpc>
-              <a:spcBef>
-                <a:spcPts val="0"/>
-              </a:spcBef>
-              <a:spcAft>
-                <a:spcPts val="0"/>
-              </a:spcAft>
-              <a:buSzPts val="1400"/>
-              <a:buNone/>
-            </a:pPr>
-            <a:r>
-              <a:rPr lang="en-US" sz="1800" b="1">
-                <a:solidFill>
-                  <a:srgbClr val="385623"/>
-                </a:solidFill>
-              </a:rPr>
-              <a:t>27-07-2024</a:t>
-            </a:r>
-            <a:endParaRPr sz="1800" b="1">
-              <a:solidFill>
-                <a:srgbClr val="385623"/>
-              </a:solidFill>
-            </a:endParaRPr>
-          </a:p>
-        </p:txBody>
-      </p:sp>
-      <p:sp>
-        <p:nvSpPr>
-          <p:cNvPr id="164" name="Google Shape;164;p11"/>
-          <p:cNvSpPr txBox="1">
-            <a:spLocks noGrp="1"/>
-          </p:cNvSpPr>
-          <p:nvPr>
-            <p:ph type="sldNum" sz="quarter" idx="12"/>
-          </p:nvPr>
-        </p:nvSpPr>
-        <p:spPr>
-          <a:prstGeom prst="rect">
-            <a:avLst/>
-          </a:prstGeom>
-          <a:noFill/>
-          <a:ln>
-            <a:noFill/>
-          </a:ln>
-        </p:spPr>
-        <p:txBody>
-          <a:bodyPr spcFirstLastPara="1" wrap="square" lIns="91425" tIns="45700" rIns="91425" bIns="45700" anchor="ctr" anchorCtr="0">
-            <a:noAutofit/>
-          </a:bodyPr>
-          <a:lstStyle/>
-          <a:p>
-            <a:pPr marL="0" lvl="0" indent="0" algn="r" rtl="0">
-              <a:lnSpc>
-                <a:spcPct val="100000"/>
-              </a:lnSpc>
-              <a:spcBef>
-                <a:spcPts val="0"/>
-              </a:spcBef>
-              <a:spcAft>
-                <a:spcPts val="0"/>
-              </a:spcAft>
-              <a:buSzPts val="1800"/>
-              <a:buNone/>
-            </a:pPr>
-            <a:fld id="{00000000-1234-1234-1234-123412341234}" type="slidenum">
-              <a:rPr lang="en-US" sz="1800" b="1">
-                <a:solidFill>
-                  <a:srgbClr val="385623"/>
-                </a:solidFill>
-              </a:rPr>
-              <a:t>15</a:t>
-            </a:fld>
-            <a:endParaRPr sz="1800" b="1">
-              <a:solidFill>
-                <a:srgbClr val="385623"/>
-              </a:solidFill>
-            </a:endParaRPr>
-          </a:p>
-        </p:txBody>
-      </p:sp>
-    </p:spTree>
-  </p:cSld>
-  <p:clrMapOvr>
-    <a:masterClrMapping/>
-  </p:clrMapOvr>
-</p:sld>
-</file>
-
-<file path=ppt/slides/slide16.xml><?xml version="1.0" encoding="utf-8"?>
 <p:sld xmlns:a="http://schemas.openxmlformats.org/drawingml/2006/main" xmlns:r="http://schemas.openxmlformats.org/officeDocument/2006/relationships" xmlns:p="http://schemas.openxmlformats.org/presentationml/2006/main">
   <p:cSld>
     <p:spTree>
@@ -11752,7 +10472,7 @@
                   <a:srgbClr val="385623"/>
                 </a:solidFill>
               </a:rPr>
-              <a:t>27-07-2024</a:t>
+              <a:t>26-05-2025</a:t>
             </a:r>
             <a:endParaRPr sz="1800" b="1">
               <a:solidFill>
@@ -11810,7 +10530,7 @@
                   <a:srgbClr val="385623"/>
                 </a:solidFill>
               </a:rPr>
-              <a:t>16</a:t>
+              <a:t>15</a:t>
             </a:fld>
             <a:endParaRPr sz="1800" b="1" dirty="0">
               <a:solidFill>
@@ -12006,7 +10726,7 @@
         </p:spPr>
         <p:txBody>
           <a:bodyPr spcFirstLastPara="1" wrap="square" lIns="91425" tIns="45700" rIns="91425" bIns="45700" anchor="t" anchorCtr="0">
-            <a:normAutofit fontScale="92500" lnSpcReduction="10000"/>
+            <a:normAutofit/>
           </a:bodyPr>
           <a:lstStyle/>
           <a:p>
@@ -12169,24 +10889,6 @@
                 <a:ea typeface="Cambria" panose="02040503050406030204" pitchFamily="18" charset="0"/>
               </a:rPr>
               <a:t>Conclusion</a:t>
-            </a:r>
-          </a:p>
-          <a:p>
-            <a:pPr marL="869950" lvl="1" indent="-285750">
-              <a:spcBef>
-                <a:spcPts val="1500"/>
-              </a:spcBef>
-              <a:buClr>
-                <a:schemeClr val="dk1"/>
-              </a:buClr>
-              <a:buSzPts val="2000"/>
-            </a:pPr>
-            <a:r>
-              <a:rPr lang="en-US" sz="2200" dirty="0">
-                <a:latin typeface="Cambria" panose="02040503050406030204" pitchFamily="18" charset="0"/>
-                <a:ea typeface="Cambria" panose="02040503050406030204" pitchFamily="18" charset="0"/>
-              </a:rPr>
-              <a:t>Cost Benefit Analysis</a:t>
             </a:r>
           </a:p>
           <a:p>
@@ -12271,7 +10973,7 @@
                   <a:srgbClr val="385623"/>
                 </a:solidFill>
               </a:rPr>
-              <a:t>27-07-2024</a:t>
+              <a:t>26-05-2025</a:t>
             </a:r>
             <a:endParaRPr sz="1800" b="1" dirty="0">
               <a:solidFill>
@@ -12830,7 +11532,7 @@
                   <a:srgbClr val="385623"/>
                 </a:solidFill>
               </a:rPr>
-              <a:t>27-07-2024</a:t>
+              <a:t>26-05-2025</a:t>
             </a:r>
             <a:endParaRPr sz="1800" b="1" dirty="0">
               <a:solidFill>
@@ -13250,7 +11952,7 @@
                   <a:srgbClr val="385623"/>
                 </a:solidFill>
               </a:rPr>
-              <a:t>27-07-2024</a:t>
+              <a:t>26-05-2025</a:t>
             </a:r>
             <a:endParaRPr sz="1800" b="1" dirty="0">
               <a:solidFill>
@@ -13896,7 +12598,7 @@
                   <a:srgbClr val="385623"/>
                 </a:solidFill>
               </a:rPr>
-              <a:t>27-07-2024</a:t>
+              <a:t>26-05-2025</a:t>
             </a:r>
             <a:endParaRPr sz="1800" b="1" dirty="0">
               <a:solidFill>
@@ -14574,37 +13276,7 @@
                 <a:cs typeface="Cambria"/>
                 <a:sym typeface="Cambria"/>
               </a:rPr>
-              <a:t>HTML, CSS, </a:t>
-            </a:r>
-            <a:r>
-              <a:rPr lang="en-US" sz="1800" dirty="0" err="1">
-                <a:solidFill>
-                  <a:srgbClr val="0D0D0D"/>
-                </a:solidFill>
-                <a:highlight>
-                  <a:srgbClr val="FFFFFF"/>
-                </a:highlight>
-                <a:latin typeface="Cambria"/>
-                <a:ea typeface="Cambria"/>
-                <a:cs typeface="Cambria"/>
-                <a:sym typeface="Cambria"/>
-              </a:rPr>
-              <a:t>Javascript</a:t>
-            </a:r>
-            <a:r>
-              <a:rPr lang="en-US" sz="1800" dirty="0">
-                <a:solidFill>
-                  <a:srgbClr val="0D0D0D"/>
-                </a:solidFill>
-                <a:highlight>
-                  <a:srgbClr val="FFFFFF"/>
-                </a:highlight>
-                <a:latin typeface="Cambria"/>
-                <a:ea typeface="Cambria"/>
-                <a:cs typeface="Cambria"/>
-                <a:sym typeface="Cambria"/>
-              </a:rPr>
-              <a:t>, React.js, Angular.</a:t>
+              <a:t>HTML, CSS, JavaScript .</a:t>
             </a:r>
             <a:endParaRPr sz="1800" dirty="0">
               <a:solidFill>
@@ -14708,7 +13380,7 @@
                 <a:cs typeface="Cambria"/>
                 <a:sym typeface="Cambria"/>
               </a:rPr>
-              <a:t> Node.js, Python, MySQL.</a:t>
+              <a:t> PHP, MySQL.</a:t>
             </a:r>
             <a:endParaRPr sz="1800" dirty="0">
               <a:solidFill>
@@ -14834,7 +13506,7 @@
                   <a:srgbClr val="385623"/>
                 </a:solidFill>
               </a:rPr>
-              <a:t>27-07-2024</a:t>
+              <a:t>26-05-2025</a:t>
             </a:r>
             <a:endParaRPr lang="en-US" sz="1800" b="1" dirty="0">
               <a:solidFill>
@@ -15033,7 +13705,7 @@
             </a:pPr>
             <a:r>
               <a:rPr lang="en-US"/>
-              <a:t>27-07-2024</a:t>
+              <a:t>26-05-2025</a:t>
             </a:r>
             <a:endParaRPr lang="en-US" dirty="0"/>
           </a:p>
@@ -15265,7 +13937,7 @@
             </a:pPr>
             <a:r>
               <a:rPr lang="en-US"/>
-              <a:t>27-07-2024</a:t>
+              <a:t>26-05-2025</a:t>
             </a:r>
             <a:endParaRPr lang="en-US" dirty="0"/>
           </a:p>
@@ -15618,7 +14290,7 @@
             </a:pPr>
             <a:r>
               <a:rPr lang="en-US"/>
-              <a:t>27-07-2024</a:t>
+              <a:t>26-05-2025</a:t>
             </a:r>
             <a:endParaRPr lang="en-US" dirty="0"/>
           </a:p>
